--- a/UML-SCHEMAS/GLOBAL/SCHEMA SYNOPTIQUE/SCHEMA SYNOPTIQUE.pptx
+++ b/UML-SCHEMAS/GLOBAL/SCHEMA SYNOPTIQUE/SCHEMA SYNOPTIQUE.pptx
@@ -105,6 +105,11 @@
       </a:defRPr>
     </a:lvl9pPr>
   </p:defaultTextStyle>
+  <p:extLst>
+    <p:ext uri="{EFAFB233-063F-42B5-8137-9DF3F51BA10A}">
+      <p15:sldGuideLst xmlns:p15="http://schemas.microsoft.com/office/powerpoint/2012/main"/>
+    </p:ext>
+  </p:extLst>
 </p:presentation>
 </file>
 
@@ -239,7 +244,7 @@
           <a:p>
             <a:fld id="{7D3D215B-C778-4B7F-8BB5-8E8EAD6BF106}" type="datetimeFigureOut">
               <a:rPr lang="fr-FR" smtClean="0"/>
-              <a:t>31/01/2020</a:t>
+              <a:t>03/02/2020</a:t>
             </a:fld>
             <a:endParaRPr lang="fr-FR"/>
           </a:p>
@@ -409,7 +414,7 @@
           <a:p>
             <a:fld id="{7D3D215B-C778-4B7F-8BB5-8E8EAD6BF106}" type="datetimeFigureOut">
               <a:rPr lang="fr-FR" smtClean="0"/>
-              <a:t>31/01/2020</a:t>
+              <a:t>03/02/2020</a:t>
             </a:fld>
             <a:endParaRPr lang="fr-FR"/>
           </a:p>
@@ -589,7 +594,7 @@
           <a:p>
             <a:fld id="{7D3D215B-C778-4B7F-8BB5-8E8EAD6BF106}" type="datetimeFigureOut">
               <a:rPr lang="fr-FR" smtClean="0"/>
-              <a:t>31/01/2020</a:t>
+              <a:t>03/02/2020</a:t>
             </a:fld>
             <a:endParaRPr lang="fr-FR"/>
           </a:p>
@@ -759,7 +764,7 @@
           <a:p>
             <a:fld id="{7D3D215B-C778-4B7F-8BB5-8E8EAD6BF106}" type="datetimeFigureOut">
               <a:rPr lang="fr-FR" smtClean="0"/>
-              <a:t>31/01/2020</a:t>
+              <a:t>03/02/2020</a:t>
             </a:fld>
             <a:endParaRPr lang="fr-FR"/>
           </a:p>
@@ -1005,7 +1010,7 @@
           <a:p>
             <a:fld id="{7D3D215B-C778-4B7F-8BB5-8E8EAD6BF106}" type="datetimeFigureOut">
               <a:rPr lang="fr-FR" smtClean="0"/>
-              <a:t>31/01/2020</a:t>
+              <a:t>03/02/2020</a:t>
             </a:fld>
             <a:endParaRPr lang="fr-FR"/>
           </a:p>
@@ -1237,7 +1242,7 @@
           <a:p>
             <a:fld id="{7D3D215B-C778-4B7F-8BB5-8E8EAD6BF106}" type="datetimeFigureOut">
               <a:rPr lang="fr-FR" smtClean="0"/>
-              <a:t>31/01/2020</a:t>
+              <a:t>03/02/2020</a:t>
             </a:fld>
             <a:endParaRPr lang="fr-FR"/>
           </a:p>
@@ -1604,7 +1609,7 @@
           <a:p>
             <a:fld id="{7D3D215B-C778-4B7F-8BB5-8E8EAD6BF106}" type="datetimeFigureOut">
               <a:rPr lang="fr-FR" smtClean="0"/>
-              <a:t>31/01/2020</a:t>
+              <a:t>03/02/2020</a:t>
             </a:fld>
             <a:endParaRPr lang="fr-FR"/>
           </a:p>
@@ -1722,7 +1727,7 @@
           <a:p>
             <a:fld id="{7D3D215B-C778-4B7F-8BB5-8E8EAD6BF106}" type="datetimeFigureOut">
               <a:rPr lang="fr-FR" smtClean="0"/>
-              <a:t>31/01/2020</a:t>
+              <a:t>03/02/2020</a:t>
             </a:fld>
             <a:endParaRPr lang="fr-FR"/>
           </a:p>
@@ -1817,7 +1822,7 @@
           <a:p>
             <a:fld id="{7D3D215B-C778-4B7F-8BB5-8E8EAD6BF106}" type="datetimeFigureOut">
               <a:rPr lang="fr-FR" smtClean="0"/>
-              <a:t>31/01/2020</a:t>
+              <a:t>03/02/2020</a:t>
             </a:fld>
             <a:endParaRPr lang="fr-FR"/>
           </a:p>
@@ -2094,7 +2099,7 @@
           <a:p>
             <a:fld id="{7D3D215B-C778-4B7F-8BB5-8E8EAD6BF106}" type="datetimeFigureOut">
               <a:rPr lang="fr-FR" smtClean="0"/>
-              <a:t>31/01/2020</a:t>
+              <a:t>03/02/2020</a:t>
             </a:fld>
             <a:endParaRPr lang="fr-FR"/>
           </a:p>
@@ -2347,7 +2352,7 @@
           <a:p>
             <a:fld id="{7D3D215B-C778-4B7F-8BB5-8E8EAD6BF106}" type="datetimeFigureOut">
               <a:rPr lang="fr-FR" smtClean="0"/>
-              <a:t>31/01/2020</a:t>
+              <a:t>03/02/2020</a:t>
             </a:fld>
             <a:endParaRPr lang="fr-FR"/>
           </a:p>
@@ -2560,7 +2565,7 @@
           <a:p>
             <a:fld id="{7D3D215B-C778-4B7F-8BB5-8E8EAD6BF106}" type="datetimeFigureOut">
               <a:rPr lang="fr-FR" smtClean="0"/>
-              <a:t>31/01/2020</a:t>
+              <a:t>03/02/2020</a:t>
             </a:fld>
             <a:endParaRPr lang="fr-FR"/>
           </a:p>
@@ -3058,39 +3063,9 @@
           </a:stretch>
         </p:blipFill>
         <p:spPr>
-          <a:xfrm rot="8994498">
-            <a:off x="7241454" y="837540"/>
-            <a:ext cx="1073552" cy="1175539"/>
-          </a:xfrm>
-          <a:prstGeom prst="rect">
-            <a:avLst/>
-          </a:prstGeom>
-        </p:spPr>
-      </p:pic>
-      <p:pic>
-        <p:nvPicPr>
-          <p:cNvPr id="9" name="Image 8"/>
-          <p:cNvPicPr>
-            <a:picLocks noChangeAspect="1"/>
-          </p:cNvPicPr>
-          <p:nvPr/>
-        </p:nvPicPr>
-        <p:blipFill>
-          <a:blip r:embed="rId2">
-            <a:extLst>
-              <a:ext uri="{28A0092B-C50C-407E-A947-70E740481C1C}">
-                <a14:useLocalDpi xmlns:a14="http://schemas.microsoft.com/office/drawing/2010/main" val="0"/>
-              </a:ext>
-            </a:extLst>
-          </a:blip>
-          <a:stretch>
-            <a:fillRect/>
-          </a:stretch>
-        </p:blipFill>
-        <p:spPr>
-          <a:xfrm rot="9345461">
-            <a:off x="5202164" y="602120"/>
-            <a:ext cx="1073552" cy="1175539"/>
+          <a:xfrm rot="11148545" flipH="1">
+            <a:off x="7190814" y="589723"/>
+            <a:ext cx="1144885" cy="1175539"/>
           </a:xfrm>
           <a:prstGeom prst="rect">
             <a:avLst/>
@@ -3210,7 +3185,7 @@
         </p:blipFill>
         <p:spPr bwMode="auto">
           <a:xfrm>
-            <a:off x="639588" y="2363181"/>
+            <a:off x="556572" y="2401344"/>
             <a:ext cx="1331579" cy="1331580"/>
           </a:xfrm>
           <a:prstGeom prst="rect">
@@ -3250,7 +3225,7 @@
         </p:blipFill>
         <p:spPr>
           <a:xfrm>
-            <a:off x="9780374" y="369931"/>
+            <a:off x="9750001" y="284656"/>
             <a:ext cx="1421593" cy="1421593"/>
           </a:xfrm>
           <a:prstGeom prst="rect">
@@ -3416,7 +3391,7 @@
         </p:nvSpPr>
         <p:spPr>
           <a:xfrm>
-            <a:off x="10248687" y="1918106"/>
+            <a:off x="10248686" y="1988910"/>
             <a:ext cx="415754" cy="966477"/>
           </a:xfrm>
           <a:prstGeom prst="upArrow">
@@ -3450,54 +3425,14 @@
       </p:sp>
       <p:sp>
         <p:nvSpPr>
-          <p:cNvPr id="23" name="Flèche vers le haut 22"/>
-          <p:cNvSpPr/>
-          <p:nvPr/>
-        </p:nvSpPr>
-        <p:spPr>
-          <a:xfrm rot="18014796">
-            <a:off x="3308443" y="3073368"/>
-            <a:ext cx="415754" cy="2895282"/>
-          </a:xfrm>
-          <a:prstGeom prst="upArrow">
-            <a:avLst/>
-          </a:prstGeom>
-        </p:spPr>
-        <p:style>
-          <a:lnRef idx="2">
-            <a:schemeClr val="accent3">
-              <a:shade val="50000"/>
-            </a:schemeClr>
-          </a:lnRef>
-          <a:fillRef idx="1">
-            <a:schemeClr val="accent3"/>
-          </a:fillRef>
-          <a:effectRef idx="0">
-            <a:schemeClr val="accent3"/>
-          </a:effectRef>
-          <a:fontRef idx="minor">
-            <a:schemeClr val="lt1"/>
-          </a:fontRef>
-        </p:style>
-        <p:txBody>
-          <a:bodyPr rtlCol="0" anchor="ctr"/>
-          <a:lstStyle/>
-          <a:p>
-            <a:pPr algn="ctr"/>
-            <a:endParaRPr lang="fr-FR"/>
-          </a:p>
-        </p:txBody>
-      </p:sp>
-      <p:sp>
-        <p:nvSpPr>
           <p:cNvPr id="21" name="Rectangle à coins arrondis 20"/>
           <p:cNvSpPr/>
           <p:nvPr/>
         </p:nvSpPr>
         <p:spPr>
           <a:xfrm>
-            <a:off x="2161040" y="176785"/>
-            <a:ext cx="7332095" cy="2026210"/>
+            <a:off x="2410310" y="176785"/>
+            <a:ext cx="6401181" cy="2026210"/>
           </a:xfrm>
           <a:prstGeom prst="roundRect">
             <a:avLst/>
@@ -3557,13 +3492,412 @@
           </a:stretch>
         </p:blipFill>
         <p:spPr>
-          <a:xfrm rot="8994498">
-            <a:off x="3162874" y="837539"/>
+          <a:xfrm rot="9649637">
+            <a:off x="3125613" y="598883"/>
             <a:ext cx="1073552" cy="1175539"/>
           </a:xfrm>
           <a:prstGeom prst="rect">
             <a:avLst/>
           </a:prstGeom>
+        </p:spPr>
+      </p:pic>
+      <p:sp>
+        <p:nvSpPr>
+          <p:cNvPr id="17" name="Flèche vers le haut 16"/>
+          <p:cNvSpPr/>
+          <p:nvPr/>
+        </p:nvSpPr>
+        <p:spPr>
+          <a:xfrm rot="3272282">
+            <a:off x="1493999" y="1747706"/>
+            <a:ext cx="415754" cy="827908"/>
+          </a:xfrm>
+          <a:prstGeom prst="upArrow">
+            <a:avLst/>
+          </a:prstGeom>
+        </p:spPr>
+        <p:style>
+          <a:lnRef idx="2">
+            <a:schemeClr val="accent3">
+              <a:shade val="50000"/>
+            </a:schemeClr>
+          </a:lnRef>
+          <a:fillRef idx="1">
+            <a:schemeClr val="accent3"/>
+          </a:fillRef>
+          <a:effectRef idx="0">
+            <a:schemeClr val="accent3"/>
+          </a:effectRef>
+          <a:fontRef idx="minor">
+            <a:schemeClr val="lt1"/>
+          </a:fontRef>
+        </p:style>
+        <p:txBody>
+          <a:bodyPr rtlCol="0" anchor="ctr"/>
+          <a:lstStyle/>
+          <a:p>
+            <a:pPr algn="ctr"/>
+            <a:endParaRPr lang="fr-FR"/>
+          </a:p>
+        </p:txBody>
+      </p:sp>
+      <p:sp>
+        <p:nvSpPr>
+          <p:cNvPr id="2" name="ZoneTexte 1"/>
+          <p:cNvSpPr txBox="1"/>
+          <p:nvPr/>
+        </p:nvSpPr>
+        <p:spPr>
+          <a:xfrm>
+            <a:off x="621826" y="6280516"/>
+            <a:ext cx="1853738" cy="646331"/>
+          </a:xfrm>
+          <a:prstGeom prst="rect">
+            <a:avLst/>
+          </a:prstGeom>
+          <a:noFill/>
+        </p:spPr>
+        <p:txBody>
+          <a:bodyPr wrap="square" rtlCol="0">
+            <a:spAutoFit/>
+          </a:bodyPr>
+          <a:lstStyle/>
+          <a:p>
+            <a:r>
+              <a:rPr lang="fr-FR" dirty="0" smtClean="0">
+                <a:latin typeface="Kristen ITC" panose="03050502040202030202" pitchFamily="66" charset="0"/>
+              </a:rPr>
+              <a:t>Base de données</a:t>
+            </a:r>
+            <a:endParaRPr lang="fr-FR" dirty="0">
+              <a:latin typeface="Kristen ITC" panose="03050502040202030202" pitchFamily="66" charset="0"/>
+            </a:endParaRPr>
+          </a:p>
+        </p:txBody>
+      </p:sp>
+      <p:sp>
+        <p:nvSpPr>
+          <p:cNvPr id="19" name="ZoneTexte 18"/>
+          <p:cNvSpPr txBox="1"/>
+          <p:nvPr/>
+        </p:nvSpPr>
+        <p:spPr>
+          <a:xfrm>
+            <a:off x="4790767" y="6419015"/>
+            <a:ext cx="2773814" cy="369332"/>
+          </a:xfrm>
+          <a:prstGeom prst="rect">
+            <a:avLst/>
+          </a:prstGeom>
+          <a:noFill/>
+        </p:spPr>
+        <p:txBody>
+          <a:bodyPr wrap="square" rtlCol="0">
+            <a:spAutoFit/>
+          </a:bodyPr>
+          <a:lstStyle/>
+          <a:p>
+            <a:r>
+              <a:rPr lang="fr-FR" dirty="0" smtClean="0">
+                <a:latin typeface="Kristen ITC" panose="03050502040202030202" pitchFamily="66" charset="0"/>
+              </a:rPr>
+              <a:t>Ordinateur/Machine</a:t>
+            </a:r>
+            <a:endParaRPr lang="fr-FR" dirty="0">
+              <a:latin typeface="Kristen ITC" panose="03050502040202030202" pitchFamily="66" charset="0"/>
+            </a:endParaRPr>
+          </a:p>
+        </p:txBody>
+      </p:sp>
+      <p:sp>
+        <p:nvSpPr>
+          <p:cNvPr id="24" name="ZoneTexte 23"/>
+          <p:cNvSpPr txBox="1"/>
+          <p:nvPr/>
+        </p:nvSpPr>
+        <p:spPr>
+          <a:xfrm>
+            <a:off x="9264392" y="6224323"/>
+            <a:ext cx="1853738" cy="646331"/>
+          </a:xfrm>
+          <a:prstGeom prst="rect">
+            <a:avLst/>
+          </a:prstGeom>
+          <a:noFill/>
+        </p:spPr>
+        <p:txBody>
+          <a:bodyPr wrap="square" rtlCol="0">
+            <a:spAutoFit/>
+          </a:bodyPr>
+          <a:lstStyle/>
+          <a:p>
+            <a:r>
+              <a:rPr lang="fr-FR" dirty="0" smtClean="0">
+                <a:latin typeface="Kristen ITC" panose="03050502040202030202" pitchFamily="66" charset="0"/>
+              </a:rPr>
+              <a:t>Appli Web/Mobile</a:t>
+            </a:r>
+            <a:endParaRPr lang="fr-FR" dirty="0">
+              <a:latin typeface="Kristen ITC" panose="03050502040202030202" pitchFamily="66" charset="0"/>
+            </a:endParaRPr>
+          </a:p>
+        </p:txBody>
+      </p:sp>
+      <p:sp>
+        <p:nvSpPr>
+          <p:cNvPr id="26" name="ZoneTexte 25"/>
+          <p:cNvSpPr txBox="1"/>
+          <p:nvPr/>
+        </p:nvSpPr>
+        <p:spPr>
+          <a:xfrm>
+            <a:off x="10046288" y="4115651"/>
+            <a:ext cx="752356" cy="369332"/>
+          </a:xfrm>
+          <a:prstGeom prst="rect">
+            <a:avLst/>
+          </a:prstGeom>
+          <a:noFill/>
+        </p:spPr>
+        <p:txBody>
+          <a:bodyPr wrap="square" rtlCol="0">
+            <a:spAutoFit/>
+          </a:bodyPr>
+          <a:lstStyle/>
+          <a:p>
+            <a:r>
+              <a:rPr lang="fr-FR" dirty="0" smtClean="0">
+                <a:latin typeface="Kristen ITC" panose="03050502040202030202" pitchFamily="66" charset="0"/>
+              </a:rPr>
+              <a:t>Wi-Fi</a:t>
+            </a:r>
+            <a:endParaRPr lang="fr-FR" dirty="0">
+              <a:latin typeface="Kristen ITC" panose="03050502040202030202" pitchFamily="66" charset="0"/>
+            </a:endParaRPr>
+          </a:p>
+        </p:txBody>
+      </p:sp>
+      <p:sp>
+        <p:nvSpPr>
+          <p:cNvPr id="27" name="ZoneTexte 26"/>
+          <p:cNvSpPr txBox="1"/>
+          <p:nvPr/>
+        </p:nvSpPr>
+        <p:spPr>
+          <a:xfrm>
+            <a:off x="9811520" y="1635516"/>
+            <a:ext cx="1221891" cy="369332"/>
+          </a:xfrm>
+          <a:prstGeom prst="rect">
+            <a:avLst/>
+          </a:prstGeom>
+          <a:noFill/>
+        </p:spPr>
+        <p:txBody>
+          <a:bodyPr wrap="square" rtlCol="0">
+            <a:spAutoFit/>
+          </a:bodyPr>
+          <a:lstStyle/>
+          <a:p>
+            <a:r>
+              <a:rPr lang="fr-FR" dirty="0" smtClean="0">
+                <a:latin typeface="Kristen ITC" panose="03050502040202030202" pitchFamily="66" charset="0"/>
+              </a:rPr>
+              <a:t>Tablette</a:t>
+            </a:r>
+            <a:endParaRPr lang="fr-FR" dirty="0">
+              <a:latin typeface="Kristen ITC" panose="03050502040202030202" pitchFamily="66" charset="0"/>
+            </a:endParaRPr>
+          </a:p>
+        </p:txBody>
+      </p:sp>
+      <p:sp>
+        <p:nvSpPr>
+          <p:cNvPr id="28" name="ZoneTexte 27"/>
+          <p:cNvSpPr txBox="1"/>
+          <p:nvPr/>
+        </p:nvSpPr>
+        <p:spPr>
+          <a:xfrm>
+            <a:off x="556572" y="3554217"/>
+            <a:ext cx="1853738" cy="646331"/>
+          </a:xfrm>
+          <a:prstGeom prst="rect">
+            <a:avLst/>
+          </a:prstGeom>
+          <a:noFill/>
+        </p:spPr>
+        <p:txBody>
+          <a:bodyPr wrap="square" rtlCol="0">
+            <a:spAutoFit/>
+          </a:bodyPr>
+          <a:lstStyle/>
+          <a:p>
+            <a:r>
+              <a:rPr lang="fr-FR" dirty="0" smtClean="0">
+                <a:latin typeface="Kristen ITC" panose="03050502040202030202" pitchFamily="66" charset="0"/>
+              </a:rPr>
+              <a:t>Console Matériel</a:t>
+            </a:r>
+            <a:endParaRPr lang="fr-FR" dirty="0">
+              <a:latin typeface="Kristen ITC" panose="03050502040202030202" pitchFamily="66" charset="0"/>
+            </a:endParaRPr>
+          </a:p>
+        </p:txBody>
+      </p:sp>
+      <p:sp>
+        <p:nvSpPr>
+          <p:cNvPr id="29" name="ZoneTexte 28"/>
+          <p:cNvSpPr txBox="1"/>
+          <p:nvPr/>
+        </p:nvSpPr>
+        <p:spPr>
+          <a:xfrm>
+            <a:off x="4555785" y="1844301"/>
+            <a:ext cx="2676481" cy="369332"/>
+          </a:xfrm>
+          <a:prstGeom prst="rect">
+            <a:avLst/>
+          </a:prstGeom>
+          <a:noFill/>
+        </p:spPr>
+        <p:txBody>
+          <a:bodyPr wrap="square" rtlCol="0">
+            <a:spAutoFit/>
+          </a:bodyPr>
+          <a:lstStyle/>
+          <a:p>
+            <a:r>
+              <a:rPr lang="fr-FR" dirty="0" smtClean="0">
+                <a:latin typeface="Kristen ITC" panose="03050502040202030202" pitchFamily="66" charset="0"/>
+              </a:rPr>
+              <a:t>Equipements DMX</a:t>
+            </a:r>
+            <a:endParaRPr lang="fr-FR" dirty="0">
+              <a:latin typeface="Kristen ITC" panose="03050502040202030202" pitchFamily="66" charset="0"/>
+            </a:endParaRPr>
+          </a:p>
+        </p:txBody>
+      </p:sp>
+      <p:sp>
+        <p:nvSpPr>
+          <p:cNvPr id="30" name="Flèche vers le haut 29"/>
+          <p:cNvSpPr/>
+          <p:nvPr/>
+        </p:nvSpPr>
+        <p:spPr>
+          <a:xfrm rot="16823704">
+            <a:off x="9169823" y="965109"/>
+            <a:ext cx="415754" cy="827908"/>
+          </a:xfrm>
+          <a:prstGeom prst="upArrow">
+            <a:avLst/>
+          </a:prstGeom>
+        </p:spPr>
+        <p:style>
+          <a:lnRef idx="2">
+            <a:schemeClr val="accent3">
+              <a:shade val="50000"/>
+            </a:schemeClr>
+          </a:lnRef>
+          <a:fillRef idx="1">
+            <a:schemeClr val="accent3"/>
+          </a:fillRef>
+          <a:effectRef idx="0">
+            <a:schemeClr val="accent3"/>
+          </a:effectRef>
+          <a:fontRef idx="minor">
+            <a:schemeClr val="lt1"/>
+          </a:fontRef>
+        </p:style>
+        <p:txBody>
+          <a:bodyPr rtlCol="0" anchor="ctr"/>
+          <a:lstStyle/>
+          <a:p>
+            <a:pPr algn="ctr"/>
+            <a:endParaRPr lang="fr-FR"/>
+          </a:p>
+        </p:txBody>
+      </p:sp>
+      <p:sp>
+        <p:nvSpPr>
+          <p:cNvPr id="31" name="Double flèche horizontale 30"/>
+          <p:cNvSpPr/>
+          <p:nvPr/>
+        </p:nvSpPr>
+        <p:spPr>
+          <a:xfrm rot="1872893">
+            <a:off x="1847351" y="4082065"/>
+            <a:ext cx="3104018" cy="468517"/>
+          </a:xfrm>
+          <a:prstGeom prst="leftRightArrow">
+            <a:avLst/>
+          </a:prstGeom>
+        </p:spPr>
+        <p:style>
+          <a:lnRef idx="2">
+            <a:schemeClr val="accent3">
+              <a:shade val="50000"/>
+            </a:schemeClr>
+          </a:lnRef>
+          <a:fillRef idx="1">
+            <a:schemeClr val="accent3"/>
+          </a:fillRef>
+          <a:effectRef idx="0">
+            <a:schemeClr val="accent3"/>
+          </a:effectRef>
+          <a:fontRef idx="minor">
+            <a:schemeClr val="lt1"/>
+          </a:fontRef>
+        </p:style>
+        <p:txBody>
+          <a:bodyPr rtlCol="0" anchor="ctr"/>
+          <a:lstStyle/>
+          <a:p>
+            <a:pPr algn="ctr"/>
+            <a:endParaRPr lang="fr-FR"/>
+          </a:p>
+        </p:txBody>
+      </p:sp>
+      <p:pic>
+        <p:nvPicPr>
+          <p:cNvPr id="3" name="Picture 2" descr="Résultat de recherche d'images pour &quot;saber rgbw&quot;"/>
+          <p:cNvPicPr>
+            <a:picLocks noChangeAspect="1" noChangeArrowheads="1"/>
+          </p:cNvPicPr>
+          <p:nvPr/>
+        </p:nvPicPr>
+        <p:blipFill>
+          <a:blip r:embed="rId9" cstate="print">
+            <a:extLst>
+              <a:ext uri="{28A0092B-C50C-407E-A947-70E740481C1C}">
+                <a14:useLocalDpi xmlns:a14="http://schemas.microsoft.com/office/drawing/2010/main" val="0"/>
+              </a:ext>
+            </a:extLst>
+          </a:blip>
+          <a:srcRect/>
+          <a:stretch>
+            <a:fillRect/>
+          </a:stretch>
+        </p:blipFill>
+        <p:spPr bwMode="auto">
+          <a:xfrm rot="10800000">
+            <a:off x="5052305" y="462661"/>
+            <a:ext cx="1289524" cy="1289524"/>
+          </a:xfrm>
+          <a:prstGeom prst="rect">
+            <a:avLst/>
+          </a:prstGeom>
+          <a:noFill/>
+          <a:extLst>
+            <a:ext uri="{909E8E84-426E-40DD-AFC4-6F175D3DCCD1}">
+              <a14:hiddenFill xmlns:a14="http://schemas.microsoft.com/office/drawing/2010/main">
+                <a:solidFill>
+                  <a:srgbClr val="FFFFFF"/>
+                </a:solidFill>
+              </a14:hiddenFill>
+            </a:ext>
+          </a:extLst>
         </p:spPr>
       </p:pic>
     </p:spTree>
